--- a/Fire Safety Deficiency Prediction.pptx
+++ b/Fire Safety Deficiency Prediction.pptx
@@ -9,8 +9,9 @@
     <p:sldId id="257" r:id="rId3"/>
     <p:sldId id="258" r:id="rId4"/>
     <p:sldId id="259" r:id="rId5"/>
-    <p:sldId id="260" r:id="rId6"/>
-    <p:sldId id="261" r:id="rId7"/>
+    <p:sldId id="262" r:id="rId6"/>
+    <p:sldId id="260" r:id="rId7"/>
+    <p:sldId id="261" r:id="rId8"/>
   </p:sldIdLst>
   <p:sldSz cx="12192000" cy="6858000"/>
   <p:notesSz cx="6858000" cy="9144000"/>
@@ -109,6 +110,11 @@
       </a:defRPr>
     </a:lvl9pPr>
   </p:defaultTextStyle>
+  <p:extLst>
+    <p:ext uri="{EFAFB233-063F-42B5-8137-9DF3F51BA10A}">
+      <p15:sldGuideLst xmlns:p15="http://schemas.microsoft.com/office/powerpoint/2012/main"/>
+    </p:ext>
+  </p:extLst>
 </p:presentation>
 </file>
 
@@ -3238,6 +3244,34 @@
           </a:p>
         </p:txBody>
       </p:sp>
+      <p:pic>
+        <p:nvPicPr>
+          <p:cNvPr id="4" name="Picture 3"/>
+          <p:cNvPicPr/>
+          <p:nvPr/>
+        </p:nvPicPr>
+        <p:blipFill>
+          <a:blip r:embed="rId2">
+            <a:extLst>
+              <a:ext uri="{28A0092B-C50C-407E-A947-70E740481C1C}">
+                <a14:useLocalDpi xmlns:a14="http://schemas.microsoft.com/office/drawing/2010/main" val="0"/>
+              </a:ext>
+            </a:extLst>
+          </a:blip>
+          <a:stretch>
+            <a:fillRect/>
+          </a:stretch>
+        </p:blipFill>
+        <p:spPr>
+          <a:xfrm>
+            <a:off x="838200" y="2386965"/>
+            <a:ext cx="5754370" cy="3924935"/>
+          </a:xfrm>
+          <a:prstGeom prst="rect">
+            <a:avLst/>
+          </a:prstGeom>
+        </p:spPr>
+      </p:pic>
     </p:spTree>
     <p:extLst>
       <p:ext uri="{BB962C8B-B14F-4D97-AF65-F5344CB8AC3E}">
@@ -3285,39 +3319,44 @@
           <a:p>
             <a:r>
               <a:rPr lang="en-US" dirty="0" smtClean="0"/>
-              <a:t>Finding the probability</a:t>
+              <a:t>Graph based on states</a:t>
             </a:r>
             <a:endParaRPr lang="en-US" dirty="0"/>
           </a:p>
         </p:txBody>
       </p:sp>
-      <p:sp>
-        <p:nvSpPr>
-          <p:cNvPr id="3" name="Content Placeholder 2"/>
-          <p:cNvSpPr>
-            <a:spLocks noGrp="1"/>
-          </p:cNvSpPr>
-          <p:nvPr>
-            <p:ph idx="1"/>
-          </p:nvPr>
-        </p:nvSpPr>
-        <p:spPr/>
-        <p:txBody>
-          <a:bodyPr/>
-          <a:lstStyle/>
-          <a:p>
-            <a:r>
-              <a:rPr lang="en-US" dirty="0" smtClean="0"/>
-              <a:t>Used Logistic regression to predict and get the probability.</a:t>
-            </a:r>
-            <a:endParaRPr lang="en-US" dirty="0"/>
-          </a:p>
-        </p:txBody>
-      </p:sp>
+      <p:pic>
+        <p:nvPicPr>
+          <p:cNvPr id="3" name="Picture 2"/>
+          <p:cNvPicPr/>
+          <p:nvPr/>
+        </p:nvPicPr>
+        <p:blipFill>
+          <a:blip r:embed="rId2">
+            <a:extLst>
+              <a:ext uri="{28A0092B-C50C-407E-A947-70E740481C1C}">
+                <a14:useLocalDpi xmlns:a14="http://schemas.microsoft.com/office/drawing/2010/main" val="0"/>
+              </a:ext>
+            </a:extLst>
+          </a:blip>
+          <a:stretch>
+            <a:fillRect/>
+          </a:stretch>
+        </p:blipFill>
+        <p:spPr>
+          <a:xfrm>
+            <a:off x="2139813" y="2692445"/>
+            <a:ext cx="4725035" cy="3328035"/>
+          </a:xfrm>
+          <a:prstGeom prst="rect">
+            <a:avLst/>
+          </a:prstGeom>
+        </p:spPr>
+      </p:pic>
     </p:spTree>
     <p:extLst>
       <p:ext uri="{BB962C8B-B14F-4D97-AF65-F5344CB8AC3E}">
-        <p14:creationId xmlns:p14="http://schemas.microsoft.com/office/powerpoint/2010/main" val="665264147"/>
+        <p14:creationId xmlns:p14="http://schemas.microsoft.com/office/powerpoint/2010/main" val="4541321"/>
       </p:ext>
     </p:extLst>
   </p:cSld>
@@ -3361,6 +3400,123 @@
           <a:p>
             <a:r>
               <a:rPr lang="en-US" dirty="0" smtClean="0"/>
+              <a:t>Finding the probability</a:t>
+            </a:r>
+            <a:endParaRPr lang="en-US" dirty="0"/>
+          </a:p>
+        </p:txBody>
+      </p:sp>
+      <p:sp>
+        <p:nvSpPr>
+          <p:cNvPr id="3" name="Content Placeholder 2"/>
+          <p:cNvSpPr>
+            <a:spLocks noGrp="1"/>
+          </p:cNvSpPr>
+          <p:nvPr>
+            <p:ph idx="1"/>
+          </p:nvPr>
+        </p:nvSpPr>
+        <p:spPr/>
+        <p:txBody>
+          <a:bodyPr/>
+          <a:lstStyle/>
+          <a:p>
+            <a:r>
+              <a:rPr lang="en-US" dirty="0" smtClean="0"/>
+              <a:t>Used Logistic regression to predict and get the probability</a:t>
+            </a:r>
+            <a:r>
+              <a:rPr lang="en-US" dirty="0" smtClean="0"/>
+              <a:t>.</a:t>
+            </a:r>
+            <a:endParaRPr lang="en-US" dirty="0"/>
+          </a:p>
+          <a:p>
+            <a:pPr marL="0" indent="0">
+              <a:buNone/>
+            </a:pPr>
+            <a:r>
+              <a:rPr lang="en-US" dirty="0"/>
+              <a:t>Probability of this prediction was </a:t>
+            </a:r>
+          </a:p>
+          <a:p>
+            <a:pPr marL="0" indent="0">
+              <a:buNone/>
+            </a:pPr>
+            <a:r>
+              <a:rPr lang="en-US" dirty="0"/>
+              <a:t> </a:t>
+            </a:r>
+          </a:p>
+          <a:p>
+            <a:pPr marL="0" indent="0">
+              <a:buNone/>
+            </a:pPr>
+            <a:r>
+              <a:rPr lang="en-US" dirty="0"/>
+              <a:t/>
+            </a:r>
+            <a:br>
+              <a:rPr lang="en-US" dirty="0"/>
+            </a:br>
+            <a:r>
+              <a:rPr lang="en-US" dirty="0"/>
+              <a:t>array([[9.99958355e-01, 4.16454238e-05], [9.99958355e-01, 4.16454238e-05], [9.99958355e-01, 4.16454238e-05], ..., [9.69241688e-01, 3.07583116e-02], [9.69241688e-01, 3.07583116e-02], [9.69241688e-01, 3.07583116e-02]])</a:t>
+            </a:r>
+          </a:p>
+          <a:p>
+            <a:endParaRPr lang="en-US" dirty="0"/>
+          </a:p>
+        </p:txBody>
+      </p:sp>
+    </p:spTree>
+    <p:extLst>
+      <p:ext uri="{BB962C8B-B14F-4D97-AF65-F5344CB8AC3E}">
+        <p14:creationId xmlns:p14="http://schemas.microsoft.com/office/powerpoint/2010/main" val="665264147"/>
+      </p:ext>
+    </p:extLst>
+  </p:cSld>
+  <p:clrMapOvr>
+    <a:masterClrMapping/>
+  </p:clrMapOvr>
+</p:sld>
+</file>
+
+<file path=ppt/slides/slide7.xml><?xml version="1.0" encoding="utf-8"?>
+<p:sld xmlns:a="http://schemas.openxmlformats.org/drawingml/2006/main" xmlns:r="http://schemas.openxmlformats.org/officeDocument/2006/relationships" xmlns:p="http://schemas.openxmlformats.org/presentationml/2006/main">
+  <p:cSld>
+    <p:spTree>
+      <p:nvGrpSpPr>
+        <p:cNvPr id="1" name=""/>
+        <p:cNvGrpSpPr/>
+        <p:nvPr/>
+      </p:nvGrpSpPr>
+      <p:grpSpPr>
+        <a:xfrm>
+          <a:off x="0" y="0"/>
+          <a:ext cx="0" cy="0"/>
+          <a:chOff x="0" y="0"/>
+          <a:chExt cx="0" cy="0"/>
+        </a:xfrm>
+      </p:grpSpPr>
+      <p:sp>
+        <p:nvSpPr>
+          <p:cNvPr id="2" name="Title 1"/>
+          <p:cNvSpPr>
+            <a:spLocks noGrp="1"/>
+          </p:cNvSpPr>
+          <p:nvPr>
+            <p:ph type="title"/>
+          </p:nvPr>
+        </p:nvSpPr>
+        <p:spPr/>
+        <p:txBody>
+          <a:bodyPr/>
+          <a:lstStyle/>
+          <a:p>
+            <a:r>
+              <a:rPr lang="en-US" dirty="0" smtClean="0"/>
               <a:t>Maps</a:t>
             </a:r>
             <a:endParaRPr lang="en-US" dirty="0"/>
@@ -3391,10 +3547,10 @@
               <a:t>FourSquare</a:t>
             </a:r>
             <a:r>
-              <a:rPr lang="en-US" smtClean="0"/>
+              <a:rPr lang="en-US" dirty="0" smtClean="0"/>
               <a:t> for map.</a:t>
             </a:r>
-            <a:endParaRPr lang="en-US"/>
+            <a:endParaRPr lang="en-US" dirty="0"/>
           </a:p>
         </p:txBody>
       </p:sp>
